--- a/Daily Agendas/Day1.2_GitHubIntroduction.pptx
+++ b/Daily Agendas/Day1.2_GitHubIntroduction.pptx
@@ -3196,11 +3196,7 @@
             </a:r>
             <a:r>
               <a:rPr lang="en-US" dirty="0" smtClean="0"/>
-              <a:t>Feb </a:t>
-            </a:r>
-            <a:r>
-              <a:rPr lang="en-US" dirty="0" smtClean="0"/>
-              <a:t>05</a:t>
+              <a:t>Feb 05</a:t>
             </a:r>
             <a:endParaRPr lang="en-US" dirty="0"/>
           </a:p>
@@ -3263,7 +3259,11 @@
             <a:pPr lvl="2"/>
             <a:r>
               <a:rPr lang="en-CA" dirty="0" smtClean="0"/>
-              <a:t>Follow Initial Instructions (Hardcopy)</a:t>
+              <a:t>Follow Initial Instructions (</a:t>
+            </a:r>
+            <a:r>
+              <a:rPr lang="en-CA" dirty="0" smtClean="0"/>
+              <a:t>Hardcopy Level 1)</a:t>
             </a:r>
             <a:endParaRPr lang="en-CA" dirty="0" smtClean="0"/>
           </a:p>
@@ -3271,8 +3271,13 @@
             <a:pPr lvl="2"/>
             <a:r>
               <a:rPr lang="en-CA" dirty="0" smtClean="0"/>
-              <a:t>Answer Questions using MS Word</a:t>
-            </a:r>
+              <a:t>Answer Questions using MS </a:t>
+            </a:r>
+            <a:r>
+              <a:rPr lang="en-CA" dirty="0" smtClean="0"/>
+              <a:t>Word (Level 1,2, &amp;3)</a:t>
+            </a:r>
+            <a:endParaRPr lang="en-CA" dirty="0" smtClean="0"/>
           </a:p>
           <a:p>
             <a:pPr lvl="2"/>
@@ -3306,18 +3311,30 @@
             </a:r>
             <a:r>
               <a:rPr lang="en-CA" sz="2400" dirty="0" smtClean="0"/>
-              <a:t>Game (Level 1 &amp;2)</a:t>
+              <a:t>Game (Level 1 </a:t>
+            </a:r>
+            <a:r>
+              <a:rPr lang="en-CA" sz="2400" dirty="0" smtClean="0"/>
+              <a:t>&amp; 2</a:t>
+            </a:r>
+            <a:r>
+              <a:rPr lang="en-CA" sz="2400" dirty="0" smtClean="0"/>
+              <a:t>)</a:t>
             </a:r>
           </a:p>
           <a:p>
             <a:pPr lvl="1"/>
             <a:r>
               <a:rPr lang="en-CA" sz="2400" dirty="0" smtClean="0"/>
-              <a:t>Tomorrow: </a:t>
+              <a:t>Tomorrow: Complete Module </a:t>
+            </a:r>
+            <a:r>
+              <a:rPr lang="en-CA" sz="2400" dirty="0" smtClean="0"/>
+              <a:t>D.1 (</a:t>
             </a:r>
             <a:r>
               <a:rPr lang="en-CA" sz="2400" smtClean="0"/>
-              <a:t>Complete Module D.1</a:t>
+              <a:t>All Levels)</a:t>
             </a:r>
             <a:endParaRPr lang="en-US" sz="2400" dirty="0" smtClean="0"/>
           </a:p>
